--- a/11.17 中間発表資料.pptx
+++ b/11.17 中間発表資料.pptx
@@ -23751,14 +23751,7 @@
                 <a:latin typeface="Calibri" panose="020F0502020204030204" pitchFamily="34" charset="0"/>
                 <a:cs typeface="Calibri" panose="020F0502020204030204" pitchFamily="34" charset="0"/>
               </a:rPr>
-              <a:t>　</a:t>
-            </a:r>
-            <a:r>
-              <a:rPr lang="ja-JP" altLang="en-US" sz="2400" dirty="0">
-                <a:latin typeface="Calibri" panose="020F0502020204030204" pitchFamily="34" charset="0"/>
-                <a:cs typeface="Calibri" panose="020F0502020204030204" pitchFamily="34" charset="0"/>
-              </a:rPr>
-              <a:t>キーワードに含まれる単語の出現頻度を評価し、特徴を抽出</a:t>
+              <a:t>　キーワードに含まれる単語の出現頻度を評価し、特徴を抽出</a:t>
             </a:r>
             <a:endParaRPr lang="ja-JP" altLang="en-US" sz="2400" dirty="0">
               <a:latin typeface="Calibri" panose="020F0502020204030204" pitchFamily="34" charset="0"/>

--- a/11.17 中間発表資料.pptx
+++ b/11.17 中間発表資料.pptx
@@ -35242,67 +35242,6 @@
           </a:ln>
         </p:spPr>
       </p:pic>
-      <p:sp>
-        <p:nvSpPr>
-          <p:cNvPr id="3" name="文本框 2"/>
-          <p:cNvSpPr txBox="1"/>
-          <p:nvPr/>
-        </p:nvSpPr>
-        <p:spPr>
-          <a:xfrm>
-            <a:off x="968375" y="4325620"/>
-            <a:ext cx="1734820" cy="306705"/>
-          </a:xfrm>
-          <a:prstGeom prst="rect">
-            <a:avLst/>
-          </a:prstGeom>
-          <a:noFill/>
-        </p:spPr>
-        <p:txBody>
-          <a:bodyPr wrap="none" rtlCol="0">
-            <a:spAutoFit/>
-          </a:bodyPr>
-          <a:p>
-            <a:r>
-              <a:rPr lang="en-US" altLang="zh-CN">
-                <a:solidFill>
-                  <a:srgbClr val="FF0000"/>
-                </a:solidFill>
-              </a:rPr>
-              <a:t>s</a:t>
-            </a:r>
-            <a:r>
-              <a:rPr lang="zh-CN" altLang="en-US">
-                <a:solidFill>
-                  <a:srgbClr val="FF0000"/>
-                </a:solidFill>
-              </a:rPr>
-              <a:t>从颜色到</a:t>
-            </a:r>
-            <a:r>
-              <a:rPr lang="en-US" altLang="zh-CN">
-                <a:solidFill>
-                  <a:srgbClr val="FF0000"/>
-                </a:solidFill>
-              </a:rPr>
-              <a:t>fashion</a:t>
-            </a:r>
-            <a:r>
-              <a:rPr lang="zh-CN" altLang="en-US">
-                <a:solidFill>
-                  <a:srgbClr val="FF0000"/>
-                </a:solidFill>
-              </a:rPr>
-              <a:t>的</a:t>
-            </a:r>
-            <a:endParaRPr lang="zh-CN" altLang="en-US">
-              <a:solidFill>
-                <a:srgbClr val="FF0000"/>
-              </a:solidFill>
-            </a:endParaRPr>
-          </a:p>
-        </p:txBody>
-      </p:sp>
     </p:spTree>
   </p:cSld>
   <p:clrMapOvr>
